--- a/Bi-Weekly Reports/Week 9.pptx
+++ b/Bi-Weekly Reports/Week 9.pptx
@@ -8,6 +8,7 @@
     <p:sldId id="256" r:id="rId2"/>
     <p:sldId id="257" r:id="rId3"/>
     <p:sldId id="259" r:id="rId4"/>
+    <p:sldId id="260" r:id="rId5"/>
   </p:sldIdLst>
   <p:sldSz cx="12192000" cy="6858000"/>
   <p:notesSz cx="6858000" cy="9144000"/>
@@ -261,7 +262,7 @@
           <a:p>
             <a:fld id="{EFEF1BC4-F06A-4B69-A76D-84A76190C264}" type="datetimeFigureOut">
               <a:rPr lang="en-US" smtClean="0"/>
-              <a:t>3/23/2022</a:t>
+              <a:t>3/24/2022</a:t>
             </a:fld>
             <a:endParaRPr lang="en-US"/>
           </a:p>
@@ -459,7 +460,7 @@
           <a:p>
             <a:fld id="{EFEF1BC4-F06A-4B69-A76D-84A76190C264}" type="datetimeFigureOut">
               <a:rPr lang="en-US" smtClean="0"/>
-              <a:t>3/23/2022</a:t>
+              <a:t>3/24/2022</a:t>
             </a:fld>
             <a:endParaRPr lang="en-US"/>
           </a:p>
@@ -667,7 +668,7 @@
           <a:p>
             <a:fld id="{EFEF1BC4-F06A-4B69-A76D-84A76190C264}" type="datetimeFigureOut">
               <a:rPr lang="en-US" smtClean="0"/>
-              <a:t>3/23/2022</a:t>
+              <a:t>3/24/2022</a:t>
             </a:fld>
             <a:endParaRPr lang="en-US"/>
           </a:p>
@@ -865,7 +866,7 @@
           <a:p>
             <a:fld id="{EFEF1BC4-F06A-4B69-A76D-84A76190C264}" type="datetimeFigureOut">
               <a:rPr lang="en-US" smtClean="0"/>
-              <a:t>3/23/2022</a:t>
+              <a:t>3/24/2022</a:t>
             </a:fld>
             <a:endParaRPr lang="en-US"/>
           </a:p>
@@ -1140,7 +1141,7 @@
           <a:p>
             <a:fld id="{EFEF1BC4-F06A-4B69-A76D-84A76190C264}" type="datetimeFigureOut">
               <a:rPr lang="en-US" smtClean="0"/>
-              <a:t>3/23/2022</a:t>
+              <a:t>3/24/2022</a:t>
             </a:fld>
             <a:endParaRPr lang="en-US"/>
           </a:p>
@@ -1405,7 +1406,7 @@
           <a:p>
             <a:fld id="{EFEF1BC4-F06A-4B69-A76D-84A76190C264}" type="datetimeFigureOut">
               <a:rPr lang="en-US" smtClean="0"/>
-              <a:t>3/23/2022</a:t>
+              <a:t>3/24/2022</a:t>
             </a:fld>
             <a:endParaRPr lang="en-US"/>
           </a:p>
@@ -1817,7 +1818,7 @@
           <a:p>
             <a:fld id="{EFEF1BC4-F06A-4B69-A76D-84A76190C264}" type="datetimeFigureOut">
               <a:rPr lang="en-US" smtClean="0"/>
-              <a:t>3/23/2022</a:t>
+              <a:t>3/24/2022</a:t>
             </a:fld>
             <a:endParaRPr lang="en-US"/>
           </a:p>
@@ -1958,7 +1959,7 @@
           <a:p>
             <a:fld id="{EFEF1BC4-F06A-4B69-A76D-84A76190C264}" type="datetimeFigureOut">
               <a:rPr lang="en-US" smtClean="0"/>
-              <a:t>3/23/2022</a:t>
+              <a:t>3/24/2022</a:t>
             </a:fld>
             <a:endParaRPr lang="en-US"/>
           </a:p>
@@ -2071,7 +2072,7 @@
           <a:p>
             <a:fld id="{EFEF1BC4-F06A-4B69-A76D-84A76190C264}" type="datetimeFigureOut">
               <a:rPr lang="en-US" smtClean="0"/>
-              <a:t>3/23/2022</a:t>
+              <a:t>3/24/2022</a:t>
             </a:fld>
             <a:endParaRPr lang="en-US"/>
           </a:p>
@@ -2382,7 +2383,7 @@
           <a:p>
             <a:fld id="{EFEF1BC4-F06A-4B69-A76D-84A76190C264}" type="datetimeFigureOut">
               <a:rPr lang="en-US" smtClean="0"/>
-              <a:t>3/23/2022</a:t>
+              <a:t>3/24/2022</a:t>
             </a:fld>
             <a:endParaRPr lang="en-US"/>
           </a:p>
@@ -2670,7 +2671,7 @@
           <a:p>
             <a:fld id="{EFEF1BC4-F06A-4B69-A76D-84A76190C264}" type="datetimeFigureOut">
               <a:rPr lang="en-US" smtClean="0"/>
-              <a:t>3/23/2022</a:t>
+              <a:t>3/24/2022</a:t>
             </a:fld>
             <a:endParaRPr lang="en-US"/>
           </a:p>
@@ -2911,7 +2912,7 @@
           <a:p>
             <a:fld id="{EFEF1BC4-F06A-4B69-A76D-84A76190C264}" type="datetimeFigureOut">
               <a:rPr lang="en-US" smtClean="0"/>
-              <a:t>3/23/2022</a:t>
+              <a:t>3/24/2022</a:t>
             </a:fld>
             <a:endParaRPr lang="en-US"/>
           </a:p>
@@ -3752,7 +3753,7 @@
           <a:p>
             <a:r>
               <a:rPr lang="en-US" dirty="0"/>
-              <a:t>MATLAB executable?</a:t>
+              <a:t>MATLAB executable being worked on</a:t>
             </a:r>
           </a:p>
         </p:txBody>
@@ -3880,6 +3881,89 @@
     <p:extLst>
       <p:ext uri="{BB962C8B-B14F-4D97-AF65-F5344CB8AC3E}">
         <p14:creationId xmlns:p14="http://schemas.microsoft.com/office/powerpoint/2010/main" val="3891415254"/>
+      </p:ext>
+    </p:extLst>
+  </p:cSld>
+  <p:clrMapOvr>
+    <a:masterClrMapping/>
+  </p:clrMapOvr>
+</p:sld>
+</file>
+
+<file path=ppt/slides/slide4.xml><?xml version="1.0" encoding="utf-8"?>
+<p:sld xmlns:a="http://schemas.openxmlformats.org/drawingml/2006/main" xmlns:r="http://schemas.openxmlformats.org/officeDocument/2006/relationships" xmlns:p="http://schemas.openxmlformats.org/presentationml/2006/main">
+  <p:cSld>
+    <p:spTree>
+      <p:nvGrpSpPr>
+        <p:cNvPr id="1" name=""/>
+        <p:cNvGrpSpPr/>
+        <p:nvPr/>
+      </p:nvGrpSpPr>
+      <p:grpSpPr>
+        <a:xfrm>
+          <a:off x="0" y="0"/>
+          <a:ext cx="0" cy="0"/>
+          <a:chOff x="0" y="0"/>
+          <a:chExt cx="0" cy="0"/>
+        </a:xfrm>
+      </p:grpSpPr>
+      <p:sp>
+        <p:nvSpPr>
+          <p:cNvPr id="2" name="Title 1">
+            <a:extLst>
+              <a:ext uri="{FF2B5EF4-FFF2-40B4-BE49-F238E27FC236}">
+                <a16:creationId xmlns:a16="http://schemas.microsoft.com/office/drawing/2014/main" id="{445BF381-C155-4B39-B986-5244C8AEA41F}"/>
+              </a:ext>
+            </a:extLst>
+          </p:cNvPr>
+          <p:cNvSpPr>
+            <a:spLocks noGrp="1"/>
+          </p:cNvSpPr>
+          <p:nvPr>
+            <p:ph type="ctrTitle"/>
+          </p:nvPr>
+        </p:nvSpPr>
+        <p:spPr/>
+        <p:txBody>
+          <a:bodyPr/>
+          <a:lstStyle/>
+          <a:p>
+            <a:r>
+              <a:rPr lang="en-US" dirty="0"/>
+              <a:t>Replicating our Demo</a:t>
+            </a:r>
+          </a:p>
+        </p:txBody>
+      </p:sp>
+      <p:sp>
+        <p:nvSpPr>
+          <p:cNvPr id="3" name="Subtitle 2">
+            <a:extLst>
+              <a:ext uri="{FF2B5EF4-FFF2-40B4-BE49-F238E27FC236}">
+                <a16:creationId xmlns:a16="http://schemas.microsoft.com/office/drawing/2014/main" id="{A8867D71-5367-4F69-8291-A4AEBB8A4526}"/>
+              </a:ext>
+            </a:extLst>
+          </p:cNvPr>
+          <p:cNvSpPr>
+            <a:spLocks noGrp="1"/>
+          </p:cNvSpPr>
+          <p:nvPr>
+            <p:ph type="subTitle" idx="1"/>
+          </p:nvPr>
+        </p:nvSpPr>
+        <p:spPr/>
+        <p:txBody>
+          <a:bodyPr/>
+          <a:lstStyle/>
+          <a:p>
+            <a:endParaRPr lang="en-US"/>
+          </a:p>
+        </p:txBody>
+      </p:sp>
+    </p:spTree>
+    <p:extLst>
+      <p:ext uri="{BB962C8B-B14F-4D97-AF65-F5344CB8AC3E}">
+        <p14:creationId xmlns:p14="http://schemas.microsoft.com/office/powerpoint/2010/main" val="4196341418"/>
       </p:ext>
     </p:extLst>
   </p:cSld>
